--- a/Doc/WebsiteDesign.pptx
+++ b/Doc/WebsiteDesign.pptx
@@ -4,8 +4,13 @@
   <p:sldMasterIdLst>
     <p:sldMasterId id="2147483648" r:id="rId1"/>
   </p:sldMasterIdLst>
+  <p:notesMasterIdLst>
+    <p:notesMasterId r:id="rId5"/>
+  </p:notesMasterIdLst>
   <p:sldIdLst>
     <p:sldId id="256" r:id="rId2"/>
+    <p:sldId id="257" r:id="rId3"/>
+    <p:sldId id="258" r:id="rId4"/>
   </p:sldIdLst>
   <p:sldSz cx="12192000" cy="6858000"/>
   <p:notesSz cx="6858000" cy="9144000"/>
@@ -104,6 +109,11 @@
       </a:defRPr>
     </a:lvl9pPr>
   </p:defaultTextStyle>
+  <p:extLst>
+    <p:ext uri="{EFAFB233-063F-42B5-8137-9DF3F51BA10A}">
+      <p15:sldGuideLst xmlns:p15="http://schemas.microsoft.com/office/powerpoint/2012/main"/>
+    </p:ext>
+  </p:extLst>
 </p:presentation>
 </file>
 
@@ -197,6 +207,469 @@
     </pc:docChg>
   </pc:docChgLst>
 </pc:chgInfo>
+</file>
+
+<file path=ppt/notesMasters/notesMaster1.xml><?xml version="1.0" encoding="utf-8"?>
+<p:notesMaster xmlns:a="http://schemas.openxmlformats.org/drawingml/2006/main" xmlns:r="http://schemas.openxmlformats.org/officeDocument/2006/relationships" xmlns:p="http://schemas.openxmlformats.org/presentationml/2006/main">
+  <p:cSld>
+    <p:bg>
+      <p:bgRef idx="1001">
+        <a:schemeClr val="bg1"/>
+      </p:bgRef>
+    </p:bg>
+    <p:spTree>
+      <p:nvGrpSpPr>
+        <p:cNvPr id="1" name=""/>
+        <p:cNvGrpSpPr/>
+        <p:nvPr/>
+      </p:nvGrpSpPr>
+      <p:grpSpPr>
+        <a:xfrm>
+          <a:off x="0" y="0"/>
+          <a:ext cx="0" cy="0"/>
+          <a:chOff x="0" y="0"/>
+          <a:chExt cx="0" cy="0"/>
+        </a:xfrm>
+      </p:grpSpPr>
+      <p:sp>
+        <p:nvSpPr>
+          <p:cNvPr id="2" name="Header Placeholder 1"/>
+          <p:cNvSpPr>
+            <a:spLocks noGrp="1"/>
+          </p:cNvSpPr>
+          <p:nvPr>
+            <p:ph type="hdr" sz="quarter"/>
+          </p:nvPr>
+        </p:nvSpPr>
+        <p:spPr>
+          <a:xfrm>
+            <a:off x="0" y="0"/>
+            <a:ext cx="2971800" cy="458788"/>
+          </a:xfrm>
+          <a:prstGeom prst="rect">
+            <a:avLst/>
+          </a:prstGeom>
+        </p:spPr>
+        <p:txBody>
+          <a:bodyPr vert="horz" lIns="91440" tIns="45720" rIns="91440" bIns="45720" rtlCol="0"/>
+          <a:lstStyle>
+            <a:lvl1pPr algn="l">
+              <a:defRPr sz="1200"/>
+            </a:lvl1pPr>
+          </a:lstStyle>
+          <a:p>
+            <a:endParaRPr lang="en-IN"/>
+          </a:p>
+        </p:txBody>
+      </p:sp>
+      <p:sp>
+        <p:nvSpPr>
+          <p:cNvPr id="3" name="Date Placeholder 2"/>
+          <p:cNvSpPr>
+            <a:spLocks noGrp="1"/>
+          </p:cNvSpPr>
+          <p:nvPr>
+            <p:ph type="dt" idx="1"/>
+          </p:nvPr>
+        </p:nvSpPr>
+        <p:spPr>
+          <a:xfrm>
+            <a:off x="3884613" y="0"/>
+            <a:ext cx="2971800" cy="458788"/>
+          </a:xfrm>
+          <a:prstGeom prst="rect">
+            <a:avLst/>
+          </a:prstGeom>
+        </p:spPr>
+        <p:txBody>
+          <a:bodyPr vert="horz" lIns="91440" tIns="45720" rIns="91440" bIns="45720" rtlCol="0"/>
+          <a:lstStyle>
+            <a:lvl1pPr algn="r">
+              <a:defRPr sz="1200"/>
+            </a:lvl1pPr>
+          </a:lstStyle>
+          <a:p>
+            <a:fld id="{B08E639A-A98F-462F-980B-B90A0704EE4A}" type="datetimeFigureOut">
+              <a:rPr lang="en-IN" smtClean="0"/>
+              <a:t>21-11-2023</a:t>
+            </a:fld>
+            <a:endParaRPr lang="en-IN"/>
+          </a:p>
+        </p:txBody>
+      </p:sp>
+      <p:sp>
+        <p:nvSpPr>
+          <p:cNvPr id="4" name="Slide Image Placeholder 3"/>
+          <p:cNvSpPr>
+            <a:spLocks noGrp="1" noRot="1" noChangeAspect="1"/>
+          </p:cNvSpPr>
+          <p:nvPr>
+            <p:ph type="sldImg" idx="2"/>
+          </p:nvPr>
+        </p:nvSpPr>
+        <p:spPr>
+          <a:xfrm>
+            <a:off x="685800" y="1143000"/>
+            <a:ext cx="5486400" cy="3086100"/>
+          </a:xfrm>
+          <a:prstGeom prst="rect">
+            <a:avLst/>
+          </a:prstGeom>
+          <a:noFill/>
+          <a:ln w="12700">
+            <a:solidFill>
+              <a:prstClr val="black"/>
+            </a:solidFill>
+          </a:ln>
+        </p:spPr>
+        <p:txBody>
+          <a:bodyPr vert="horz" lIns="91440" tIns="45720" rIns="91440" bIns="45720" rtlCol="0" anchor="ctr"/>
+          <a:lstStyle/>
+          <a:p>
+            <a:endParaRPr lang="en-IN"/>
+          </a:p>
+        </p:txBody>
+      </p:sp>
+      <p:sp>
+        <p:nvSpPr>
+          <p:cNvPr id="5" name="Notes Placeholder 4"/>
+          <p:cNvSpPr>
+            <a:spLocks noGrp="1"/>
+          </p:cNvSpPr>
+          <p:nvPr>
+            <p:ph type="body" sz="quarter" idx="3"/>
+          </p:nvPr>
+        </p:nvSpPr>
+        <p:spPr>
+          <a:xfrm>
+            <a:off x="685800" y="4400550"/>
+            <a:ext cx="5486400" cy="3600450"/>
+          </a:xfrm>
+          <a:prstGeom prst="rect">
+            <a:avLst/>
+          </a:prstGeom>
+        </p:spPr>
+        <p:txBody>
+          <a:bodyPr vert="horz" lIns="91440" tIns="45720" rIns="91440" bIns="45720" rtlCol="0"/>
+          <a:lstStyle/>
+          <a:p>
+            <a:pPr lvl="0"/>
+            <a:r>
+              <a:rPr lang="en-US"/>
+              <a:t>Click to edit Master text styles</a:t>
+            </a:r>
+          </a:p>
+          <a:p>
+            <a:pPr lvl="1"/>
+            <a:r>
+              <a:rPr lang="en-US"/>
+              <a:t>Second level</a:t>
+            </a:r>
+          </a:p>
+          <a:p>
+            <a:pPr lvl="2"/>
+            <a:r>
+              <a:rPr lang="en-US"/>
+              <a:t>Third level</a:t>
+            </a:r>
+          </a:p>
+          <a:p>
+            <a:pPr lvl="3"/>
+            <a:r>
+              <a:rPr lang="en-US"/>
+              <a:t>Fourth level</a:t>
+            </a:r>
+          </a:p>
+          <a:p>
+            <a:pPr lvl="4"/>
+            <a:r>
+              <a:rPr lang="en-US"/>
+              <a:t>Fifth level</a:t>
+            </a:r>
+            <a:endParaRPr lang="en-IN"/>
+          </a:p>
+        </p:txBody>
+      </p:sp>
+      <p:sp>
+        <p:nvSpPr>
+          <p:cNvPr id="6" name="Footer Placeholder 5"/>
+          <p:cNvSpPr>
+            <a:spLocks noGrp="1"/>
+          </p:cNvSpPr>
+          <p:nvPr>
+            <p:ph type="ftr" sz="quarter" idx="4"/>
+          </p:nvPr>
+        </p:nvSpPr>
+        <p:spPr>
+          <a:xfrm>
+            <a:off x="0" y="8685213"/>
+            <a:ext cx="2971800" cy="458787"/>
+          </a:xfrm>
+          <a:prstGeom prst="rect">
+            <a:avLst/>
+          </a:prstGeom>
+        </p:spPr>
+        <p:txBody>
+          <a:bodyPr vert="horz" lIns="91440" tIns="45720" rIns="91440" bIns="45720" rtlCol="0" anchor="b"/>
+          <a:lstStyle>
+            <a:lvl1pPr algn="l">
+              <a:defRPr sz="1200"/>
+            </a:lvl1pPr>
+          </a:lstStyle>
+          <a:p>
+            <a:endParaRPr lang="en-IN"/>
+          </a:p>
+        </p:txBody>
+      </p:sp>
+      <p:sp>
+        <p:nvSpPr>
+          <p:cNvPr id="7" name="Slide Number Placeholder 6"/>
+          <p:cNvSpPr>
+            <a:spLocks noGrp="1"/>
+          </p:cNvSpPr>
+          <p:nvPr>
+            <p:ph type="sldNum" sz="quarter" idx="5"/>
+          </p:nvPr>
+        </p:nvSpPr>
+        <p:spPr>
+          <a:xfrm>
+            <a:off x="3884613" y="8685213"/>
+            <a:ext cx="2971800" cy="458787"/>
+          </a:xfrm>
+          <a:prstGeom prst="rect">
+            <a:avLst/>
+          </a:prstGeom>
+        </p:spPr>
+        <p:txBody>
+          <a:bodyPr vert="horz" lIns="91440" tIns="45720" rIns="91440" bIns="45720" rtlCol="0" anchor="b"/>
+          <a:lstStyle>
+            <a:lvl1pPr algn="r">
+              <a:defRPr sz="1200"/>
+            </a:lvl1pPr>
+          </a:lstStyle>
+          <a:p>
+            <a:fld id="{5DF66467-0C78-42A4-B181-30C50ECF54DE}" type="slidenum">
+              <a:rPr lang="en-IN" smtClean="0"/>
+              <a:t>‹#›</a:t>
+            </a:fld>
+            <a:endParaRPr lang="en-IN"/>
+          </a:p>
+        </p:txBody>
+      </p:sp>
+    </p:spTree>
+    <p:extLst>
+      <p:ext uri="{BB962C8B-B14F-4D97-AF65-F5344CB8AC3E}">
+        <p14:creationId xmlns:p14="http://schemas.microsoft.com/office/powerpoint/2010/main" val="3598673416"/>
+      </p:ext>
+    </p:extLst>
+  </p:cSld>
+  <p:clrMap bg1="lt1" tx1="dk1" bg2="lt2" tx2="dk2" accent1="accent1" accent2="accent2" accent3="accent3" accent4="accent4" accent5="accent5" accent6="accent6" hlink="hlink" folHlink="folHlink"/>
+  <p:notesStyle>
+    <a:lvl1pPr marL="0" algn="l" defTabSz="914400" rtl="0" eaLnBrk="1" latinLnBrk="0" hangingPunct="1">
+      <a:defRPr sz="1200" kern="1200">
+        <a:solidFill>
+          <a:schemeClr val="tx1"/>
+        </a:solidFill>
+        <a:latin typeface="+mn-lt"/>
+        <a:ea typeface="+mn-ea"/>
+        <a:cs typeface="+mn-cs"/>
+      </a:defRPr>
+    </a:lvl1pPr>
+    <a:lvl2pPr marL="457200" algn="l" defTabSz="914400" rtl="0" eaLnBrk="1" latinLnBrk="0" hangingPunct="1">
+      <a:defRPr sz="1200" kern="1200">
+        <a:solidFill>
+          <a:schemeClr val="tx1"/>
+        </a:solidFill>
+        <a:latin typeface="+mn-lt"/>
+        <a:ea typeface="+mn-ea"/>
+        <a:cs typeface="+mn-cs"/>
+      </a:defRPr>
+    </a:lvl2pPr>
+    <a:lvl3pPr marL="914400" algn="l" defTabSz="914400" rtl="0" eaLnBrk="1" latinLnBrk="0" hangingPunct="1">
+      <a:defRPr sz="1200" kern="1200">
+        <a:solidFill>
+          <a:schemeClr val="tx1"/>
+        </a:solidFill>
+        <a:latin typeface="+mn-lt"/>
+        <a:ea typeface="+mn-ea"/>
+        <a:cs typeface="+mn-cs"/>
+      </a:defRPr>
+    </a:lvl3pPr>
+    <a:lvl4pPr marL="1371600" algn="l" defTabSz="914400" rtl="0" eaLnBrk="1" latinLnBrk="0" hangingPunct="1">
+      <a:defRPr sz="1200" kern="1200">
+        <a:solidFill>
+          <a:schemeClr val="tx1"/>
+        </a:solidFill>
+        <a:latin typeface="+mn-lt"/>
+        <a:ea typeface="+mn-ea"/>
+        <a:cs typeface="+mn-cs"/>
+      </a:defRPr>
+    </a:lvl4pPr>
+    <a:lvl5pPr marL="1828800" algn="l" defTabSz="914400" rtl="0" eaLnBrk="1" latinLnBrk="0" hangingPunct="1">
+      <a:defRPr sz="1200" kern="1200">
+        <a:solidFill>
+          <a:schemeClr val="tx1"/>
+        </a:solidFill>
+        <a:latin typeface="+mn-lt"/>
+        <a:ea typeface="+mn-ea"/>
+        <a:cs typeface="+mn-cs"/>
+      </a:defRPr>
+    </a:lvl5pPr>
+    <a:lvl6pPr marL="2286000" algn="l" defTabSz="914400" rtl="0" eaLnBrk="1" latinLnBrk="0" hangingPunct="1">
+      <a:defRPr sz="1200" kern="1200">
+        <a:solidFill>
+          <a:schemeClr val="tx1"/>
+        </a:solidFill>
+        <a:latin typeface="+mn-lt"/>
+        <a:ea typeface="+mn-ea"/>
+        <a:cs typeface="+mn-cs"/>
+      </a:defRPr>
+    </a:lvl6pPr>
+    <a:lvl7pPr marL="2743200" algn="l" defTabSz="914400" rtl="0" eaLnBrk="1" latinLnBrk="0" hangingPunct="1">
+      <a:defRPr sz="1200" kern="1200">
+        <a:solidFill>
+          <a:schemeClr val="tx1"/>
+        </a:solidFill>
+        <a:latin typeface="+mn-lt"/>
+        <a:ea typeface="+mn-ea"/>
+        <a:cs typeface="+mn-cs"/>
+      </a:defRPr>
+    </a:lvl7pPr>
+    <a:lvl8pPr marL="3200400" algn="l" defTabSz="914400" rtl="0" eaLnBrk="1" latinLnBrk="0" hangingPunct="1">
+      <a:defRPr sz="1200" kern="1200">
+        <a:solidFill>
+          <a:schemeClr val="tx1"/>
+        </a:solidFill>
+        <a:latin typeface="+mn-lt"/>
+        <a:ea typeface="+mn-ea"/>
+        <a:cs typeface="+mn-cs"/>
+      </a:defRPr>
+    </a:lvl8pPr>
+    <a:lvl9pPr marL="3657600" algn="l" defTabSz="914400" rtl="0" eaLnBrk="1" latinLnBrk="0" hangingPunct="1">
+      <a:defRPr sz="1200" kern="1200">
+        <a:solidFill>
+          <a:schemeClr val="tx1"/>
+        </a:solidFill>
+        <a:latin typeface="+mn-lt"/>
+        <a:ea typeface="+mn-ea"/>
+        <a:cs typeface="+mn-cs"/>
+      </a:defRPr>
+    </a:lvl9pPr>
+  </p:notesStyle>
+</p:notesMaster>
+</file>
+
+<file path=ppt/notesSlides/notesSlide1.xml><?xml version="1.0" encoding="utf-8"?>
+<p:notes xmlns:a="http://schemas.openxmlformats.org/drawingml/2006/main" xmlns:r="http://schemas.openxmlformats.org/officeDocument/2006/relationships" xmlns:p="http://schemas.openxmlformats.org/presentationml/2006/main">
+  <p:cSld>
+    <p:spTree>
+      <p:nvGrpSpPr>
+        <p:cNvPr id="1" name=""/>
+        <p:cNvGrpSpPr/>
+        <p:nvPr/>
+      </p:nvGrpSpPr>
+      <p:grpSpPr>
+        <a:xfrm>
+          <a:off x="0" y="0"/>
+          <a:ext cx="0" cy="0"/>
+          <a:chOff x="0" y="0"/>
+          <a:chExt cx="0" cy="0"/>
+        </a:xfrm>
+      </p:grpSpPr>
+      <p:sp>
+        <p:nvSpPr>
+          <p:cNvPr id="2" name="Slide Image Placeholder 1"/>
+          <p:cNvSpPr>
+            <a:spLocks noGrp="1" noRot="1" noChangeAspect="1"/>
+          </p:cNvSpPr>
+          <p:nvPr>
+            <p:ph type="sldImg"/>
+          </p:nvPr>
+        </p:nvSpPr>
+        <p:spPr/>
+      </p:sp>
+      <p:sp>
+        <p:nvSpPr>
+          <p:cNvPr id="3" name="Notes Placeholder 2"/>
+          <p:cNvSpPr>
+            <a:spLocks noGrp="1"/>
+          </p:cNvSpPr>
+          <p:nvPr>
+            <p:ph type="body" idx="1"/>
+          </p:nvPr>
+        </p:nvSpPr>
+        <p:spPr/>
+        <p:txBody>
+          <a:bodyPr/>
+          <a:lstStyle/>
+          <a:p>
+            <a:pPr marL="0" marR="0" lvl="0" indent="0" algn="l" defTabSz="914400" rtl="0" eaLnBrk="1" fontAlgn="auto" latinLnBrk="0" hangingPunct="1">
+              <a:lnSpc>
+                <a:spcPct val="100000"/>
+              </a:lnSpc>
+              <a:spcBef>
+                <a:spcPts val="0"/>
+              </a:spcBef>
+              <a:spcAft>
+                <a:spcPts val="0"/>
+              </a:spcAft>
+              <a:buClrTx/>
+              <a:buSzTx/>
+              <a:buFontTx/>
+              <a:buNone/>
+              <a:tabLst/>
+              <a:defRPr/>
+            </a:pPr>
+            <a:r>
+              <a:rPr lang="en-IN" dirty="0">
+                <a:hlinkClick r:id="rId3"/>
+              </a:rPr>
+              <a:t>https://themeforest.net/search/coaching%20classes?page=6#content</a:t>
+            </a:r>
+            <a:r>
+              <a:rPr lang="en-IN" dirty="0"/>
+              <a:t>   ///use colour for header panel from above link</a:t>
+            </a:r>
+          </a:p>
+          <a:p>
+            <a:endParaRPr lang="en-IN" dirty="0"/>
+          </a:p>
+        </p:txBody>
+      </p:sp>
+      <p:sp>
+        <p:nvSpPr>
+          <p:cNvPr id="4" name="Slide Number Placeholder 3"/>
+          <p:cNvSpPr>
+            <a:spLocks noGrp="1"/>
+          </p:cNvSpPr>
+          <p:nvPr>
+            <p:ph type="sldNum" sz="quarter" idx="5"/>
+          </p:nvPr>
+        </p:nvSpPr>
+        <p:spPr/>
+        <p:txBody>
+          <a:bodyPr/>
+          <a:lstStyle/>
+          <a:p>
+            <a:fld id="{5DF66467-0C78-42A4-B181-30C50ECF54DE}" type="slidenum">
+              <a:rPr lang="en-IN" smtClean="0"/>
+              <a:t>1</a:t>
+            </a:fld>
+            <a:endParaRPr lang="en-IN"/>
+          </a:p>
+        </p:txBody>
+      </p:sp>
+    </p:spTree>
+    <p:extLst>
+      <p:ext uri="{BB962C8B-B14F-4D97-AF65-F5344CB8AC3E}">
+        <p14:creationId xmlns:p14="http://schemas.microsoft.com/office/powerpoint/2010/main" val="1626941306"/>
+      </p:ext>
+    </p:extLst>
+  </p:cSld>
+  <p:clrMapOvr>
+    <a:masterClrMapping/>
+  </p:clrMapOvr>
+</p:notes>
 </file>
 
 <file path=ppt/slideLayouts/slideLayout1.xml><?xml version="1.0" encoding="utf-8"?>
@@ -692,7 +1165,7 @@
         <p:spPr>
           <a:xfrm>
             <a:off x="0" y="0"/>
-            <a:ext cx="12192000" cy="768096"/>
+            <a:ext cx="12192000" cy="1271016"/>
           </a:xfrm>
           <a:prstGeom prst="rect">
             <a:avLst/>
@@ -744,8 +1217,49 @@
         </p:nvSpPr>
         <p:spPr>
           <a:xfrm>
-            <a:off x="8211312" y="182880"/>
+            <a:off x="8211312" y="429768"/>
             <a:ext cx="3831336" cy="369332"/>
+          </a:xfrm>
+          <a:prstGeom prst="rect">
+            <a:avLst/>
+          </a:prstGeom>
+          <a:noFill/>
+        </p:spPr>
+        <p:txBody>
+          <a:bodyPr wrap="square" rtlCol="0">
+            <a:spAutoFit/>
+          </a:bodyPr>
+          <a:lstStyle/>
+          <a:p>
+            <a:r>
+              <a:rPr lang="en-IN" dirty="0">
+                <a:solidFill>
+                  <a:schemeClr val="bg2">
+                    <a:lumMod val="25000"/>
+                  </a:schemeClr>
+                </a:solidFill>
+              </a:rPr>
+              <a:t>Our Services  About Us    Sign-In</a:t>
+            </a:r>
+          </a:p>
+        </p:txBody>
+      </p:sp>
+      <p:sp>
+        <p:nvSpPr>
+          <p:cNvPr id="7" name="TextBox 6">
+            <a:extLst>
+              <a:ext uri="{FF2B5EF4-FFF2-40B4-BE49-F238E27FC236}">
+                <a16:creationId xmlns:a16="http://schemas.microsoft.com/office/drawing/2014/main" id="{618ACDB5-8BDA-138F-A7E8-A9C769DEA013}"/>
+              </a:ext>
+            </a:extLst>
+          </p:cNvPr>
+          <p:cNvSpPr txBox="1"/>
+          <p:nvPr/>
+        </p:nvSpPr>
+        <p:spPr>
+          <a:xfrm>
+            <a:off x="173735" y="164592"/>
+            <a:ext cx="4078225" cy="369332"/>
           </a:xfrm>
           <a:prstGeom prst="rect">
             <a:avLst/>
@@ -764,17 +1278,142 @@
                   <a:schemeClr val="bg1"/>
                 </a:solidFill>
               </a:rPr>
-              <a:t>Home      Courses  Service  Contact Us</a:t>
-            </a:r>
-          </a:p>
-        </p:txBody>
-      </p:sp>
-      <p:sp>
-        <p:nvSpPr>
-          <p:cNvPr id="6" name="Rectangle 5" descr="Light reflection in a lens">
+              <a:t>[logo] The E-Labs Research and Education</a:t>
+            </a:r>
+          </a:p>
+        </p:txBody>
+      </p:sp>
+      <p:sp>
+        <p:nvSpPr>
+          <p:cNvPr id="3" name="TextBox 2">
             <a:extLst>
               <a:ext uri="{FF2B5EF4-FFF2-40B4-BE49-F238E27FC236}">
-                <a16:creationId xmlns:a16="http://schemas.microsoft.com/office/drawing/2014/main" id="{56A2BECD-32D8-19FB-52C0-F47804C48F5F}"/>
+                <a16:creationId xmlns:a16="http://schemas.microsoft.com/office/drawing/2014/main" id="{D2035496-3DE6-FCF4-A181-7857D7E196C6}"/>
+              </a:ext>
+            </a:extLst>
+          </p:cNvPr>
+          <p:cNvSpPr txBox="1"/>
+          <p:nvPr/>
+        </p:nvSpPr>
+        <p:spPr>
+          <a:xfrm>
+            <a:off x="269748" y="680228"/>
+            <a:ext cx="6099048" cy="369332"/>
+          </a:xfrm>
+          <a:prstGeom prst="rect">
+            <a:avLst/>
+          </a:prstGeom>
+          <a:noFill/>
+        </p:spPr>
+        <p:txBody>
+          <a:bodyPr wrap="square">
+            <a:spAutoFit/>
+          </a:bodyPr>
+          <a:lstStyle/>
+          <a:p>
+            <a:r>
+              <a:rPr lang="en-IN" dirty="0">
+                <a:solidFill>
+                  <a:schemeClr val="bg1"/>
+                </a:solidFill>
+              </a:rPr>
+              <a:t>Home</a:t>
+            </a:r>
+            <a:r>
+              <a:rPr lang="en-IN" dirty="0">
+                <a:solidFill>
+                  <a:schemeClr val="bg2">
+                    <a:lumMod val="25000"/>
+                  </a:schemeClr>
+                </a:solidFill>
+              </a:rPr>
+              <a:t>     Courses    Videos </a:t>
+            </a:r>
+            <a:endParaRPr lang="en-IN" dirty="0"/>
+          </a:p>
+        </p:txBody>
+      </p:sp>
+      <p:sp>
+        <p:nvSpPr>
+          <p:cNvPr id="13" name="TextBox 12">
+            <a:extLst>
+              <a:ext uri="{FF2B5EF4-FFF2-40B4-BE49-F238E27FC236}">
+                <a16:creationId xmlns:a16="http://schemas.microsoft.com/office/drawing/2014/main" id="{F01F94B2-B632-A943-41C1-4F7103CB4AA3}"/>
+              </a:ext>
+            </a:extLst>
+          </p:cNvPr>
+          <p:cNvSpPr txBox="1"/>
+          <p:nvPr/>
+        </p:nvSpPr>
+        <p:spPr>
+          <a:xfrm>
+            <a:off x="640080" y="1774937"/>
+            <a:ext cx="5001768" cy="646331"/>
+          </a:xfrm>
+          <a:prstGeom prst="rect">
+            <a:avLst/>
+          </a:prstGeom>
+          <a:noFill/>
+        </p:spPr>
+        <p:txBody>
+          <a:bodyPr wrap="square" rtlCol="0">
+            <a:spAutoFit/>
+          </a:bodyPr>
+          <a:lstStyle/>
+          <a:p>
+            <a:r>
+              <a:rPr lang="en-IN" dirty="0"/>
+              <a:t>Don’t overthink just copy and paste from </a:t>
+            </a:r>
+            <a:r>
+              <a:rPr lang="en-IN" dirty="0">
+                <a:hlinkClick r:id="rId3"/>
+              </a:rPr>
+              <a:t>https://www.jomaclass.com/</a:t>
+            </a:r>
+            <a:r>
+              <a:rPr lang="en-IN" dirty="0"/>
+              <a:t> site</a:t>
+            </a:r>
+          </a:p>
+        </p:txBody>
+      </p:sp>
+    </p:spTree>
+    <p:extLst>
+      <p:ext uri="{BB962C8B-B14F-4D97-AF65-F5344CB8AC3E}">
+        <p14:creationId xmlns:p14="http://schemas.microsoft.com/office/powerpoint/2010/main" val="3840801962"/>
+      </p:ext>
+    </p:extLst>
+  </p:cSld>
+  <p:clrMapOvr>
+    <a:masterClrMapping/>
+  </p:clrMapOvr>
+</p:sld>
+</file>
+
+<file path=ppt/slides/slide2.xml><?xml version="1.0" encoding="utf-8"?>
+<p:sld xmlns:a="http://schemas.openxmlformats.org/drawingml/2006/main" xmlns:r="http://schemas.openxmlformats.org/officeDocument/2006/relationships" xmlns:p="http://schemas.openxmlformats.org/presentationml/2006/main">
+  <p:cSld>
+    <p:spTree>
+      <p:nvGrpSpPr>
+        <p:cNvPr id="1" name=""/>
+        <p:cNvGrpSpPr/>
+        <p:nvPr/>
+      </p:nvGrpSpPr>
+      <p:grpSpPr>
+        <a:xfrm>
+          <a:off x="0" y="0"/>
+          <a:ext cx="0" cy="0"/>
+          <a:chOff x="0" y="0"/>
+          <a:chExt cx="0" cy="0"/>
+        </a:xfrm>
+      </p:grpSpPr>
+      <p:sp>
+        <p:nvSpPr>
+          <p:cNvPr id="4" name="Rectangle 3">
+            <a:extLst>
+              <a:ext uri="{FF2B5EF4-FFF2-40B4-BE49-F238E27FC236}">
+                <a16:creationId xmlns:a16="http://schemas.microsoft.com/office/drawing/2014/main" id="{1F1E634F-1E77-D68B-FD32-057385717EBE}"/>
               </a:ext>
             </a:extLst>
           </p:cNvPr>
@@ -783,25 +1422,15 @@
         </p:nvSpPr>
         <p:spPr>
           <a:xfrm>
-            <a:off x="0" y="768096"/>
-            <a:ext cx="12192000" cy="6089904"/>
-          </a:xfrm>
-          <a:prstGeom prst="rect">
-            <a:avLst/>
-          </a:prstGeom>
-          <a:blipFill dpi="0" rotWithShape="1">
-            <a:blip r:embed="rId2">
-              <a:extLst>
-                <a:ext uri="{28A0092B-C50C-407E-A947-70E740481C1C}">
-                  <a14:useLocalDpi xmlns:a14="http://schemas.microsoft.com/office/drawing/2010/main" val="0"/>
-                </a:ext>
-              </a:extLst>
-            </a:blip>
-            <a:srcRect/>
-            <a:stretch>
-              <a:fillRect/>
-            </a:stretch>
-          </a:blipFill>
+            <a:off x="0" y="0"/>
+            <a:ext cx="12192000" cy="1271016"/>
+          </a:xfrm>
+          <a:prstGeom prst="rect">
+            <a:avLst/>
+          </a:prstGeom>
+          <a:solidFill>
+            <a:srgbClr val="7A7F8E"/>
+          </a:solidFill>
         </p:spPr>
         <p:style>
           <a:lnRef idx="2">
@@ -824,16 +1453,20 @@
           <a:lstStyle/>
           <a:p>
             <a:pPr algn="ctr"/>
-            <a:endParaRPr lang="en-IN"/>
-          </a:p>
-        </p:txBody>
-      </p:sp>
-      <p:sp>
-        <p:nvSpPr>
-          <p:cNvPr id="7" name="TextBox 6">
+            <a:endParaRPr lang="en-IN" dirty="0">
+              <a:highlight>
+                <a:srgbClr val="FFFF00"/>
+              </a:highlight>
+            </a:endParaRPr>
+          </a:p>
+        </p:txBody>
+      </p:sp>
+      <p:sp>
+        <p:nvSpPr>
+          <p:cNvPr id="5" name="TextBox 4">
             <a:extLst>
               <a:ext uri="{FF2B5EF4-FFF2-40B4-BE49-F238E27FC236}">
-                <a16:creationId xmlns:a16="http://schemas.microsoft.com/office/drawing/2014/main" id="{618ACDB5-8BDA-138F-A7E8-A9C769DEA013}"/>
+                <a16:creationId xmlns:a16="http://schemas.microsoft.com/office/drawing/2014/main" id="{33F8E2FB-69C2-FB45-D907-D8B91A3A730C}"/>
               </a:ext>
             </a:extLst>
           </p:cNvPr>
@@ -842,8 +1475,49 @@
         </p:nvSpPr>
         <p:spPr>
           <a:xfrm>
+            <a:off x="8211312" y="429768"/>
+            <a:ext cx="3831336" cy="369332"/>
+          </a:xfrm>
+          <a:prstGeom prst="rect">
+            <a:avLst/>
+          </a:prstGeom>
+          <a:noFill/>
+        </p:spPr>
+        <p:txBody>
+          <a:bodyPr wrap="square" rtlCol="0">
+            <a:spAutoFit/>
+          </a:bodyPr>
+          <a:lstStyle/>
+          <a:p>
+            <a:r>
+              <a:rPr lang="en-IN" dirty="0">
+                <a:solidFill>
+                  <a:schemeClr val="bg2">
+                    <a:lumMod val="25000"/>
+                  </a:schemeClr>
+                </a:solidFill>
+              </a:rPr>
+              <a:t>Our Services  About Us    Sign-In</a:t>
+            </a:r>
+          </a:p>
+        </p:txBody>
+      </p:sp>
+      <p:sp>
+        <p:nvSpPr>
+          <p:cNvPr id="7" name="TextBox 6">
+            <a:extLst>
+              <a:ext uri="{FF2B5EF4-FFF2-40B4-BE49-F238E27FC236}">
+                <a16:creationId xmlns:a16="http://schemas.microsoft.com/office/drawing/2014/main" id="{618ACDB5-8BDA-138F-A7E8-A9C769DEA013}"/>
+              </a:ext>
+            </a:extLst>
+          </p:cNvPr>
+          <p:cNvSpPr txBox="1"/>
+          <p:nvPr/>
+        </p:nvSpPr>
+        <p:spPr>
+          <a:xfrm>
             <a:off x="173735" y="164592"/>
-            <a:ext cx="3806953" cy="369332"/>
+            <a:ext cx="4078225" cy="369332"/>
           </a:xfrm>
           <a:prstGeom prst="rect">
             <a:avLst/>
@@ -862,7 +1536,647 @@
                   <a:schemeClr val="bg1"/>
                 </a:solidFill>
               </a:rPr>
-              <a:t>The E-Labs Research and Education</a:t>
+              <a:t>[logo] The E-Labs Research and Education</a:t>
+            </a:r>
+          </a:p>
+        </p:txBody>
+      </p:sp>
+      <p:sp>
+        <p:nvSpPr>
+          <p:cNvPr id="3" name="TextBox 2">
+            <a:extLst>
+              <a:ext uri="{FF2B5EF4-FFF2-40B4-BE49-F238E27FC236}">
+                <a16:creationId xmlns:a16="http://schemas.microsoft.com/office/drawing/2014/main" id="{D2035496-3DE6-FCF4-A181-7857D7E196C6}"/>
+              </a:ext>
+            </a:extLst>
+          </p:cNvPr>
+          <p:cNvSpPr txBox="1"/>
+          <p:nvPr/>
+        </p:nvSpPr>
+        <p:spPr>
+          <a:xfrm>
+            <a:off x="269748" y="680228"/>
+            <a:ext cx="6099048" cy="369332"/>
+          </a:xfrm>
+          <a:prstGeom prst="rect">
+            <a:avLst/>
+          </a:prstGeom>
+          <a:noFill/>
+        </p:spPr>
+        <p:txBody>
+          <a:bodyPr wrap="square">
+            <a:spAutoFit/>
+          </a:bodyPr>
+          <a:lstStyle/>
+          <a:p>
+            <a:r>
+              <a:rPr lang="en-IN" dirty="0">
+                <a:solidFill>
+                  <a:schemeClr val="bg2">
+                    <a:lumMod val="25000"/>
+                  </a:schemeClr>
+                </a:solidFill>
+              </a:rPr>
+              <a:t>Home     </a:t>
+            </a:r>
+            <a:r>
+              <a:rPr lang="en-IN" dirty="0">
+                <a:solidFill>
+                  <a:schemeClr val="bg1"/>
+                </a:solidFill>
+              </a:rPr>
+              <a:t>Courses</a:t>
+            </a:r>
+            <a:r>
+              <a:rPr lang="en-IN" dirty="0">
+                <a:solidFill>
+                  <a:schemeClr val="bg2">
+                    <a:lumMod val="25000"/>
+                  </a:schemeClr>
+                </a:solidFill>
+              </a:rPr>
+              <a:t>    Videos </a:t>
+            </a:r>
+            <a:endParaRPr lang="en-IN" dirty="0"/>
+          </a:p>
+        </p:txBody>
+      </p:sp>
+      <p:sp>
+        <p:nvSpPr>
+          <p:cNvPr id="2" name="Rectangle 1">
+            <a:extLst>
+              <a:ext uri="{FF2B5EF4-FFF2-40B4-BE49-F238E27FC236}">
+                <a16:creationId xmlns:a16="http://schemas.microsoft.com/office/drawing/2014/main" id="{121D46E9-F7ED-4FCF-1AC2-2EFE98CE2A6F}"/>
+              </a:ext>
+            </a:extLst>
+          </p:cNvPr>
+          <p:cNvSpPr/>
+          <p:nvPr/>
+        </p:nvSpPr>
+        <p:spPr>
+          <a:xfrm>
+            <a:off x="868680" y="1819656"/>
+            <a:ext cx="2258568" cy="795528"/>
+          </a:xfrm>
+          <a:prstGeom prst="rect">
+            <a:avLst/>
+          </a:prstGeom>
+        </p:spPr>
+        <p:style>
+          <a:lnRef idx="2">
+            <a:schemeClr val="accent1">
+              <a:shade val="15000"/>
+            </a:schemeClr>
+          </a:lnRef>
+          <a:fillRef idx="1">
+            <a:schemeClr val="accent1"/>
+          </a:fillRef>
+          <a:effectRef idx="0">
+            <a:schemeClr val="accent1"/>
+          </a:effectRef>
+          <a:fontRef idx="minor">
+            <a:schemeClr val="lt1"/>
+          </a:fontRef>
+        </p:style>
+        <p:txBody>
+          <a:bodyPr rtlCol="0" anchor="ctr"/>
+          <a:lstStyle/>
+          <a:p>
+            <a:pPr algn="ctr"/>
+            <a:r>
+              <a:rPr lang="en-IN" dirty="0"/>
+              <a:t>Embedded C</a:t>
+            </a:r>
+          </a:p>
+        </p:txBody>
+      </p:sp>
+      <p:sp>
+        <p:nvSpPr>
+          <p:cNvPr id="6" name="Rectangle 5">
+            <a:extLst>
+              <a:ext uri="{FF2B5EF4-FFF2-40B4-BE49-F238E27FC236}">
+                <a16:creationId xmlns:a16="http://schemas.microsoft.com/office/drawing/2014/main" id="{83890EA1-4A1E-B8C0-C85D-CC32FCDDCAFE}"/>
+              </a:ext>
+            </a:extLst>
+          </p:cNvPr>
+          <p:cNvSpPr/>
+          <p:nvPr/>
+        </p:nvSpPr>
+        <p:spPr>
+          <a:xfrm>
+            <a:off x="6368796" y="1819656"/>
+            <a:ext cx="2258568" cy="795528"/>
+          </a:xfrm>
+          <a:prstGeom prst="rect">
+            <a:avLst/>
+          </a:prstGeom>
+        </p:spPr>
+        <p:style>
+          <a:lnRef idx="2">
+            <a:schemeClr val="accent1">
+              <a:shade val="15000"/>
+            </a:schemeClr>
+          </a:lnRef>
+          <a:fillRef idx="1">
+            <a:schemeClr val="accent1"/>
+          </a:fillRef>
+          <a:effectRef idx="0">
+            <a:schemeClr val="accent1"/>
+          </a:effectRef>
+          <a:fontRef idx="minor">
+            <a:schemeClr val="lt1"/>
+          </a:fontRef>
+        </p:style>
+        <p:txBody>
+          <a:bodyPr rtlCol="0" anchor="ctr"/>
+          <a:lstStyle/>
+          <a:p>
+            <a:pPr algn="ctr"/>
+            <a:r>
+              <a:rPr lang="en-IN" dirty="0"/>
+              <a:t>Automotive Embedded</a:t>
+            </a:r>
+          </a:p>
+        </p:txBody>
+      </p:sp>
+      <p:sp>
+        <p:nvSpPr>
+          <p:cNvPr id="8" name="Rectangle 7">
+            <a:extLst>
+              <a:ext uri="{FF2B5EF4-FFF2-40B4-BE49-F238E27FC236}">
+                <a16:creationId xmlns:a16="http://schemas.microsoft.com/office/drawing/2014/main" id="{0E50545D-E132-27DF-62BF-22D24EF21DFB}"/>
+              </a:ext>
+            </a:extLst>
+          </p:cNvPr>
+          <p:cNvSpPr/>
+          <p:nvPr/>
+        </p:nvSpPr>
+        <p:spPr>
+          <a:xfrm>
+            <a:off x="3614928" y="1819656"/>
+            <a:ext cx="2258568" cy="795528"/>
+          </a:xfrm>
+          <a:prstGeom prst="rect">
+            <a:avLst/>
+          </a:prstGeom>
+        </p:spPr>
+        <p:style>
+          <a:lnRef idx="2">
+            <a:schemeClr val="accent1">
+              <a:shade val="15000"/>
+            </a:schemeClr>
+          </a:lnRef>
+          <a:fillRef idx="1">
+            <a:schemeClr val="accent1"/>
+          </a:fillRef>
+          <a:effectRef idx="0">
+            <a:schemeClr val="accent1"/>
+          </a:effectRef>
+          <a:fontRef idx="minor">
+            <a:schemeClr val="lt1"/>
+          </a:fontRef>
+        </p:style>
+        <p:txBody>
+          <a:bodyPr rtlCol="0" anchor="ctr"/>
+          <a:lstStyle/>
+          <a:p>
+            <a:pPr algn="ctr"/>
+            <a:r>
+              <a:rPr lang="en-IN" dirty="0"/>
+              <a:t>Micro-controllers</a:t>
+            </a:r>
+          </a:p>
+        </p:txBody>
+      </p:sp>
+      <p:sp>
+        <p:nvSpPr>
+          <p:cNvPr id="9" name="Rectangle 8">
+            <a:extLst>
+              <a:ext uri="{FF2B5EF4-FFF2-40B4-BE49-F238E27FC236}">
+                <a16:creationId xmlns:a16="http://schemas.microsoft.com/office/drawing/2014/main" id="{09CAB8F8-4F3E-6BA9-61E3-3C41CDB6B130}"/>
+              </a:ext>
+            </a:extLst>
+          </p:cNvPr>
+          <p:cNvSpPr/>
+          <p:nvPr/>
+        </p:nvSpPr>
+        <p:spPr>
+          <a:xfrm>
+            <a:off x="8997696" y="1819656"/>
+            <a:ext cx="2258568" cy="795528"/>
+          </a:xfrm>
+          <a:prstGeom prst="rect">
+            <a:avLst/>
+          </a:prstGeom>
+        </p:spPr>
+        <p:style>
+          <a:lnRef idx="2">
+            <a:schemeClr val="accent1">
+              <a:shade val="15000"/>
+            </a:schemeClr>
+          </a:lnRef>
+          <a:fillRef idx="1">
+            <a:schemeClr val="accent1"/>
+          </a:fillRef>
+          <a:effectRef idx="0">
+            <a:schemeClr val="accent1"/>
+          </a:effectRef>
+          <a:fontRef idx="minor">
+            <a:schemeClr val="lt1"/>
+          </a:fontRef>
+        </p:style>
+        <p:txBody>
+          <a:bodyPr rtlCol="0" anchor="ctr"/>
+          <a:lstStyle/>
+          <a:p>
+            <a:pPr algn="ctr"/>
+            <a:r>
+              <a:rPr lang="en-IN" dirty="0"/>
+              <a:t>IOT</a:t>
+            </a:r>
+          </a:p>
+        </p:txBody>
+      </p:sp>
+      <p:sp>
+        <p:nvSpPr>
+          <p:cNvPr id="10" name="Arrow: Up 9">
+            <a:extLst>
+              <a:ext uri="{FF2B5EF4-FFF2-40B4-BE49-F238E27FC236}">
+                <a16:creationId xmlns:a16="http://schemas.microsoft.com/office/drawing/2014/main" id="{0C7C8DE6-0716-3E65-EEA5-898D9DC1F245}"/>
+              </a:ext>
+            </a:extLst>
+          </p:cNvPr>
+          <p:cNvSpPr/>
+          <p:nvPr/>
+        </p:nvSpPr>
+        <p:spPr>
+          <a:xfrm>
+            <a:off x="1716024" y="2615184"/>
+            <a:ext cx="493776" cy="1106424"/>
+          </a:xfrm>
+          <a:prstGeom prst="upArrow">
+            <a:avLst/>
+          </a:prstGeom>
+        </p:spPr>
+        <p:style>
+          <a:lnRef idx="2">
+            <a:schemeClr val="accent1">
+              <a:shade val="15000"/>
+            </a:schemeClr>
+          </a:lnRef>
+          <a:fillRef idx="1">
+            <a:schemeClr val="accent1"/>
+          </a:fillRef>
+          <a:effectRef idx="0">
+            <a:schemeClr val="accent1"/>
+          </a:effectRef>
+          <a:fontRef idx="minor">
+            <a:schemeClr val="lt1"/>
+          </a:fontRef>
+        </p:style>
+        <p:txBody>
+          <a:bodyPr rtlCol="0" anchor="ctr"/>
+          <a:lstStyle/>
+          <a:p>
+            <a:pPr algn="ctr"/>
+            <a:endParaRPr lang="en-IN">
+              <a:solidFill>
+                <a:sysClr val="windowText" lastClr="000000"/>
+              </a:solidFill>
+            </a:endParaRPr>
+          </a:p>
+        </p:txBody>
+      </p:sp>
+      <p:sp>
+        <p:nvSpPr>
+          <p:cNvPr id="11" name="TextBox 10">
+            <a:extLst>
+              <a:ext uri="{FF2B5EF4-FFF2-40B4-BE49-F238E27FC236}">
+                <a16:creationId xmlns:a16="http://schemas.microsoft.com/office/drawing/2014/main" id="{57CE9204-E6AB-E379-4025-2A2DD792A944}"/>
+              </a:ext>
+            </a:extLst>
+          </p:cNvPr>
+          <p:cNvSpPr txBox="1"/>
+          <p:nvPr/>
+        </p:nvSpPr>
+        <p:spPr>
+          <a:xfrm>
+            <a:off x="786384" y="3739896"/>
+            <a:ext cx="3182112" cy="646331"/>
+          </a:xfrm>
+          <a:prstGeom prst="rect">
+            <a:avLst/>
+          </a:prstGeom>
+          <a:noFill/>
+        </p:spPr>
+        <p:txBody>
+          <a:bodyPr wrap="square" rtlCol="0">
+            <a:spAutoFit/>
+          </a:bodyPr>
+          <a:lstStyle/>
+          <a:p>
+            <a:r>
+              <a:rPr lang="en-IN" dirty="0"/>
+              <a:t>If clicked open pop-up box and it’ll show syllabus</a:t>
+            </a:r>
+          </a:p>
+        </p:txBody>
+      </p:sp>
+      <p:sp>
+        <p:nvSpPr>
+          <p:cNvPr id="14" name="Arrow: Up 13">
+            <a:extLst>
+              <a:ext uri="{FF2B5EF4-FFF2-40B4-BE49-F238E27FC236}">
+                <a16:creationId xmlns:a16="http://schemas.microsoft.com/office/drawing/2014/main" id="{6DBA49A5-CA1A-9470-57B1-B3FCC25B36F1}"/>
+              </a:ext>
+            </a:extLst>
+          </p:cNvPr>
+          <p:cNvSpPr/>
+          <p:nvPr/>
+        </p:nvSpPr>
+        <p:spPr>
+          <a:xfrm>
+            <a:off x="5123688" y="2685288"/>
+            <a:ext cx="493776" cy="1106424"/>
+          </a:xfrm>
+          <a:prstGeom prst="upArrow">
+            <a:avLst/>
+          </a:prstGeom>
+        </p:spPr>
+        <p:style>
+          <a:lnRef idx="2">
+            <a:schemeClr val="accent1">
+              <a:shade val="15000"/>
+            </a:schemeClr>
+          </a:lnRef>
+          <a:fillRef idx="1">
+            <a:schemeClr val="accent1"/>
+          </a:fillRef>
+          <a:effectRef idx="0">
+            <a:schemeClr val="accent1"/>
+          </a:effectRef>
+          <a:fontRef idx="minor">
+            <a:schemeClr val="lt1"/>
+          </a:fontRef>
+        </p:style>
+        <p:txBody>
+          <a:bodyPr rtlCol="0" anchor="ctr"/>
+          <a:lstStyle/>
+          <a:p>
+            <a:pPr algn="ctr"/>
+            <a:endParaRPr lang="en-IN">
+              <a:solidFill>
+                <a:sysClr val="windowText" lastClr="000000"/>
+              </a:solidFill>
+            </a:endParaRPr>
+          </a:p>
+        </p:txBody>
+      </p:sp>
+      <p:sp>
+        <p:nvSpPr>
+          <p:cNvPr id="15" name="TextBox 14">
+            <a:extLst>
+              <a:ext uri="{FF2B5EF4-FFF2-40B4-BE49-F238E27FC236}">
+                <a16:creationId xmlns:a16="http://schemas.microsoft.com/office/drawing/2014/main" id="{7D68AAA5-F7B5-746B-61B4-A8D01640665E}"/>
+              </a:ext>
+            </a:extLst>
+          </p:cNvPr>
+          <p:cNvSpPr txBox="1"/>
+          <p:nvPr/>
+        </p:nvSpPr>
+        <p:spPr>
+          <a:xfrm>
+            <a:off x="4194048" y="3810000"/>
+            <a:ext cx="3182112" cy="646331"/>
+          </a:xfrm>
+          <a:prstGeom prst="rect">
+            <a:avLst/>
+          </a:prstGeom>
+          <a:noFill/>
+        </p:spPr>
+        <p:txBody>
+          <a:bodyPr wrap="square" rtlCol="0">
+            <a:spAutoFit/>
+          </a:bodyPr>
+          <a:lstStyle/>
+          <a:p>
+            <a:r>
+              <a:rPr lang="en-IN" dirty="0"/>
+              <a:t>If clicked open pop-up box and it’ll show syllabus</a:t>
+            </a:r>
+          </a:p>
+        </p:txBody>
+      </p:sp>
+      <p:sp>
+        <p:nvSpPr>
+          <p:cNvPr id="18" name="Rectangle 17">
+            <a:extLst>
+              <a:ext uri="{FF2B5EF4-FFF2-40B4-BE49-F238E27FC236}">
+                <a16:creationId xmlns:a16="http://schemas.microsoft.com/office/drawing/2014/main" id="{D2F783F3-47CF-3A0A-3EF0-183D8D032A8E}"/>
+              </a:ext>
+            </a:extLst>
+          </p:cNvPr>
+          <p:cNvSpPr/>
+          <p:nvPr/>
+        </p:nvSpPr>
+        <p:spPr>
+          <a:xfrm>
+            <a:off x="10823448" y="960120"/>
+            <a:ext cx="164592" cy="173736"/>
+          </a:xfrm>
+          <a:prstGeom prst="rect">
+            <a:avLst/>
+          </a:prstGeom>
+          <a:solidFill>
+            <a:schemeClr val="accent2"/>
+          </a:solidFill>
+        </p:spPr>
+        <p:style>
+          <a:lnRef idx="2">
+            <a:schemeClr val="accent1">
+              <a:shade val="15000"/>
+            </a:schemeClr>
+          </a:lnRef>
+          <a:fillRef idx="1">
+            <a:schemeClr val="accent1"/>
+          </a:fillRef>
+          <a:effectRef idx="0">
+            <a:schemeClr val="accent1"/>
+          </a:effectRef>
+          <a:fontRef idx="minor">
+            <a:schemeClr val="lt1"/>
+          </a:fontRef>
+        </p:style>
+        <p:txBody>
+          <a:bodyPr rtlCol="0" anchor="ctr"/>
+          <a:lstStyle/>
+          <a:p>
+            <a:pPr algn="ctr"/>
+            <a:endParaRPr lang="en-IN"/>
+          </a:p>
+        </p:txBody>
+      </p:sp>
+      <p:sp>
+        <p:nvSpPr>
+          <p:cNvPr id="19" name="Rectangle 18">
+            <a:extLst>
+              <a:ext uri="{FF2B5EF4-FFF2-40B4-BE49-F238E27FC236}">
+                <a16:creationId xmlns:a16="http://schemas.microsoft.com/office/drawing/2014/main" id="{864CF89E-2A38-877B-D2FD-1C09557AB8E4}"/>
+              </a:ext>
+            </a:extLst>
+          </p:cNvPr>
+          <p:cNvSpPr/>
+          <p:nvPr/>
+        </p:nvSpPr>
+        <p:spPr>
+          <a:xfrm>
+            <a:off x="11097768" y="960120"/>
+            <a:ext cx="164592" cy="173736"/>
+          </a:xfrm>
+          <a:prstGeom prst="rect">
+            <a:avLst/>
+          </a:prstGeom>
+          <a:solidFill>
+            <a:schemeClr val="accent2"/>
+          </a:solidFill>
+        </p:spPr>
+        <p:style>
+          <a:lnRef idx="2">
+            <a:schemeClr val="accent1">
+              <a:shade val="15000"/>
+            </a:schemeClr>
+          </a:lnRef>
+          <a:fillRef idx="1">
+            <a:schemeClr val="accent1"/>
+          </a:fillRef>
+          <a:effectRef idx="0">
+            <a:schemeClr val="accent1"/>
+          </a:effectRef>
+          <a:fontRef idx="minor">
+            <a:schemeClr val="lt1"/>
+          </a:fontRef>
+        </p:style>
+        <p:txBody>
+          <a:bodyPr rtlCol="0" anchor="ctr"/>
+          <a:lstStyle/>
+          <a:p>
+            <a:pPr algn="ctr"/>
+            <a:endParaRPr lang="en-IN"/>
+          </a:p>
+        </p:txBody>
+      </p:sp>
+      <p:pic>
+        <p:nvPicPr>
+          <p:cNvPr id="24" name="Graphic 23" descr="Social network with solid fill">
+            <a:extLst>
+              <a:ext uri="{FF2B5EF4-FFF2-40B4-BE49-F238E27FC236}">
+                <a16:creationId xmlns:a16="http://schemas.microsoft.com/office/drawing/2014/main" id="{E7525023-AD63-FA31-7308-28439BCE31AC}"/>
+              </a:ext>
+            </a:extLst>
+          </p:cNvPr>
+          <p:cNvPicPr>
+            <a:picLocks noChangeAspect="1"/>
+          </p:cNvPicPr>
+          <p:nvPr/>
+        </p:nvPicPr>
+        <p:blipFill>
+          <a:blip r:embed="rId2">
+            <a:extLst>
+              <a:ext uri="{28A0092B-C50C-407E-A947-70E740481C1C}">
+                <a14:useLocalDpi xmlns:a14="http://schemas.microsoft.com/office/drawing/2010/main" val="0"/>
+              </a:ext>
+              <a:ext uri="{96DAC541-7B7A-43D3-8B79-37D633B846F1}">
+                <asvg:svgBlip xmlns:asvg="http://schemas.microsoft.com/office/drawing/2016/SVG/main" r:embed="rId3"/>
+              </a:ext>
+            </a:extLst>
+          </a:blip>
+          <a:stretch>
+            <a:fillRect/>
+          </a:stretch>
+        </p:blipFill>
+        <p:spPr>
+          <a:xfrm>
+            <a:off x="10469880" y="917448"/>
+            <a:ext cx="243840" cy="243840"/>
+          </a:xfrm>
+          <a:prstGeom prst="rect">
+            <a:avLst/>
+          </a:prstGeom>
+        </p:spPr>
+      </p:pic>
+      <p:cxnSp>
+        <p:nvCxnSpPr>
+          <p:cNvPr id="26" name="Straight Arrow Connector 25">
+            <a:extLst>
+              <a:ext uri="{FF2B5EF4-FFF2-40B4-BE49-F238E27FC236}">
+                <a16:creationId xmlns:a16="http://schemas.microsoft.com/office/drawing/2014/main" id="{F66EB5DF-F110-E13D-FCF0-AC1668483E67}"/>
+              </a:ext>
+            </a:extLst>
+          </p:cNvPr>
+          <p:cNvCxnSpPr>
+            <a:cxnSpLocks/>
+            <a:stCxn id="28" idx="0"/>
+          </p:cNvCxnSpPr>
+          <p:nvPr/>
+        </p:nvCxnSpPr>
+        <p:spPr>
+          <a:xfrm flipV="1">
+            <a:off x="11256264" y="1161288"/>
+            <a:ext cx="0" cy="1719072"/>
+          </a:xfrm>
+          <a:prstGeom prst="straightConnector1">
+            <a:avLst/>
+          </a:prstGeom>
+          <a:ln>
+            <a:tailEnd type="triangle"/>
+          </a:ln>
+        </p:spPr>
+        <p:style>
+          <a:lnRef idx="1">
+            <a:schemeClr val="accent1"/>
+          </a:lnRef>
+          <a:fillRef idx="0">
+            <a:schemeClr val="accent1"/>
+          </a:fillRef>
+          <a:effectRef idx="0">
+            <a:schemeClr val="accent1"/>
+          </a:effectRef>
+          <a:fontRef idx="minor">
+            <a:schemeClr val="tx1"/>
+          </a:fontRef>
+        </p:style>
+      </p:cxnSp>
+      <p:sp>
+        <p:nvSpPr>
+          <p:cNvPr id="28" name="TextBox 27">
+            <a:extLst>
+              <a:ext uri="{FF2B5EF4-FFF2-40B4-BE49-F238E27FC236}">
+                <a16:creationId xmlns:a16="http://schemas.microsoft.com/office/drawing/2014/main" id="{D4A704DD-D1E5-7557-9116-28479C976FDA}"/>
+              </a:ext>
+            </a:extLst>
+          </p:cNvPr>
+          <p:cNvSpPr txBox="1"/>
+          <p:nvPr/>
+        </p:nvSpPr>
+        <p:spPr>
+          <a:xfrm>
+            <a:off x="10469880" y="2880360"/>
+            <a:ext cx="1572768" cy="646331"/>
+          </a:xfrm>
+          <a:prstGeom prst="rect">
+            <a:avLst/>
+          </a:prstGeom>
+          <a:noFill/>
+        </p:spPr>
+        <p:txBody>
+          <a:bodyPr wrap="square" rtlCol="0">
+            <a:spAutoFit/>
+          </a:bodyPr>
+          <a:lstStyle/>
+          <a:p>
+            <a:r>
+              <a:rPr lang="en-IN" dirty="0"/>
+              <a:t>Social Media icons</a:t>
             </a:r>
           </a:p>
         </p:txBody>
@@ -870,7 +2184,433 @@
     </p:spTree>
     <p:extLst>
       <p:ext uri="{BB962C8B-B14F-4D97-AF65-F5344CB8AC3E}">
-        <p14:creationId xmlns:p14="http://schemas.microsoft.com/office/powerpoint/2010/main" val="3840801962"/>
+        <p14:creationId xmlns:p14="http://schemas.microsoft.com/office/powerpoint/2010/main" val="3135746178"/>
+      </p:ext>
+    </p:extLst>
+  </p:cSld>
+  <p:clrMapOvr>
+    <a:masterClrMapping/>
+  </p:clrMapOvr>
+</p:sld>
+</file>
+
+<file path=ppt/slides/slide3.xml><?xml version="1.0" encoding="utf-8"?>
+<p:sld xmlns:a="http://schemas.openxmlformats.org/drawingml/2006/main" xmlns:r="http://schemas.openxmlformats.org/officeDocument/2006/relationships" xmlns:p="http://schemas.openxmlformats.org/presentationml/2006/main">
+  <p:cSld>
+    <p:spTree>
+      <p:nvGrpSpPr>
+        <p:cNvPr id="1" name=""/>
+        <p:cNvGrpSpPr/>
+        <p:nvPr/>
+      </p:nvGrpSpPr>
+      <p:grpSpPr>
+        <a:xfrm>
+          <a:off x="0" y="0"/>
+          <a:ext cx="0" cy="0"/>
+          <a:chOff x="0" y="0"/>
+          <a:chExt cx="0" cy="0"/>
+        </a:xfrm>
+      </p:grpSpPr>
+      <p:sp>
+        <p:nvSpPr>
+          <p:cNvPr id="4" name="Rectangle 3">
+            <a:extLst>
+              <a:ext uri="{FF2B5EF4-FFF2-40B4-BE49-F238E27FC236}">
+                <a16:creationId xmlns:a16="http://schemas.microsoft.com/office/drawing/2014/main" id="{1F1E634F-1E77-D68B-FD32-057385717EBE}"/>
+              </a:ext>
+            </a:extLst>
+          </p:cNvPr>
+          <p:cNvSpPr/>
+          <p:nvPr/>
+        </p:nvSpPr>
+        <p:spPr>
+          <a:xfrm>
+            <a:off x="0" y="0"/>
+            <a:ext cx="12192000" cy="1271016"/>
+          </a:xfrm>
+          <a:prstGeom prst="rect">
+            <a:avLst/>
+          </a:prstGeom>
+          <a:solidFill>
+            <a:srgbClr val="7A7F8E"/>
+          </a:solidFill>
+        </p:spPr>
+        <p:style>
+          <a:lnRef idx="2">
+            <a:schemeClr val="accent1">
+              <a:shade val="15000"/>
+            </a:schemeClr>
+          </a:lnRef>
+          <a:fillRef idx="1">
+            <a:schemeClr val="accent1"/>
+          </a:fillRef>
+          <a:effectRef idx="0">
+            <a:schemeClr val="accent1"/>
+          </a:effectRef>
+          <a:fontRef idx="minor">
+            <a:schemeClr val="lt1"/>
+          </a:fontRef>
+        </p:style>
+        <p:txBody>
+          <a:bodyPr rtlCol="0" anchor="ctr"/>
+          <a:lstStyle/>
+          <a:p>
+            <a:pPr algn="ctr"/>
+            <a:endParaRPr lang="en-IN" dirty="0">
+              <a:highlight>
+                <a:srgbClr val="FFFF00"/>
+              </a:highlight>
+            </a:endParaRPr>
+          </a:p>
+        </p:txBody>
+      </p:sp>
+      <p:sp>
+        <p:nvSpPr>
+          <p:cNvPr id="5" name="TextBox 4">
+            <a:extLst>
+              <a:ext uri="{FF2B5EF4-FFF2-40B4-BE49-F238E27FC236}">
+                <a16:creationId xmlns:a16="http://schemas.microsoft.com/office/drawing/2014/main" id="{33F8E2FB-69C2-FB45-D907-D8B91A3A730C}"/>
+              </a:ext>
+            </a:extLst>
+          </p:cNvPr>
+          <p:cNvSpPr txBox="1"/>
+          <p:nvPr/>
+        </p:nvSpPr>
+        <p:spPr>
+          <a:xfrm>
+            <a:off x="8211312" y="429768"/>
+            <a:ext cx="3831336" cy="369332"/>
+          </a:xfrm>
+          <a:prstGeom prst="rect">
+            <a:avLst/>
+          </a:prstGeom>
+          <a:noFill/>
+        </p:spPr>
+        <p:txBody>
+          <a:bodyPr wrap="square" rtlCol="0">
+            <a:spAutoFit/>
+          </a:bodyPr>
+          <a:lstStyle/>
+          <a:p>
+            <a:r>
+              <a:rPr lang="en-IN" dirty="0">
+                <a:solidFill>
+                  <a:schemeClr val="bg2">
+                    <a:lumMod val="25000"/>
+                  </a:schemeClr>
+                </a:solidFill>
+              </a:rPr>
+              <a:t>Our Services  About Us   Sign-In</a:t>
+            </a:r>
+          </a:p>
+        </p:txBody>
+      </p:sp>
+      <p:sp>
+        <p:nvSpPr>
+          <p:cNvPr id="7" name="TextBox 6">
+            <a:extLst>
+              <a:ext uri="{FF2B5EF4-FFF2-40B4-BE49-F238E27FC236}">
+                <a16:creationId xmlns:a16="http://schemas.microsoft.com/office/drawing/2014/main" id="{618ACDB5-8BDA-138F-A7E8-A9C769DEA013}"/>
+              </a:ext>
+            </a:extLst>
+          </p:cNvPr>
+          <p:cNvSpPr txBox="1"/>
+          <p:nvPr/>
+        </p:nvSpPr>
+        <p:spPr>
+          <a:xfrm>
+            <a:off x="173735" y="164592"/>
+            <a:ext cx="4078225" cy="369332"/>
+          </a:xfrm>
+          <a:prstGeom prst="rect">
+            <a:avLst/>
+          </a:prstGeom>
+          <a:noFill/>
+        </p:spPr>
+        <p:txBody>
+          <a:bodyPr wrap="square" rtlCol="0">
+            <a:spAutoFit/>
+          </a:bodyPr>
+          <a:lstStyle/>
+          <a:p>
+            <a:r>
+              <a:rPr lang="en-IN" dirty="0">
+                <a:solidFill>
+                  <a:schemeClr val="bg1"/>
+                </a:solidFill>
+              </a:rPr>
+              <a:t>[logo] The E-Labs Research and Education</a:t>
+            </a:r>
+          </a:p>
+        </p:txBody>
+      </p:sp>
+      <p:sp>
+        <p:nvSpPr>
+          <p:cNvPr id="3" name="TextBox 2">
+            <a:extLst>
+              <a:ext uri="{FF2B5EF4-FFF2-40B4-BE49-F238E27FC236}">
+                <a16:creationId xmlns:a16="http://schemas.microsoft.com/office/drawing/2014/main" id="{D2035496-3DE6-FCF4-A181-7857D7E196C6}"/>
+              </a:ext>
+            </a:extLst>
+          </p:cNvPr>
+          <p:cNvSpPr txBox="1"/>
+          <p:nvPr/>
+        </p:nvSpPr>
+        <p:spPr>
+          <a:xfrm>
+            <a:off x="269748" y="680228"/>
+            <a:ext cx="6099048" cy="369332"/>
+          </a:xfrm>
+          <a:prstGeom prst="rect">
+            <a:avLst/>
+          </a:prstGeom>
+          <a:noFill/>
+        </p:spPr>
+        <p:txBody>
+          <a:bodyPr wrap="square">
+            <a:spAutoFit/>
+          </a:bodyPr>
+          <a:lstStyle/>
+          <a:p>
+            <a:r>
+              <a:rPr lang="en-IN" dirty="0">
+                <a:solidFill>
+                  <a:schemeClr val="bg2">
+                    <a:lumMod val="25000"/>
+                  </a:schemeClr>
+                </a:solidFill>
+              </a:rPr>
+              <a:t>Home   Courses    </a:t>
+            </a:r>
+            <a:r>
+              <a:rPr lang="en-IN" dirty="0">
+                <a:solidFill>
+                  <a:schemeClr val="bg1"/>
+                </a:solidFill>
+              </a:rPr>
+              <a:t>Videos</a:t>
+            </a:r>
+            <a:r>
+              <a:rPr lang="en-IN" dirty="0">
+                <a:solidFill>
+                  <a:schemeClr val="bg2">
+                    <a:lumMod val="25000"/>
+                  </a:schemeClr>
+                </a:solidFill>
+              </a:rPr>
+              <a:t> </a:t>
+            </a:r>
+            <a:endParaRPr lang="en-IN" dirty="0"/>
+          </a:p>
+        </p:txBody>
+      </p:sp>
+      <p:sp>
+        <p:nvSpPr>
+          <p:cNvPr id="10" name="Rectangle 9">
+            <a:extLst>
+              <a:ext uri="{FF2B5EF4-FFF2-40B4-BE49-F238E27FC236}">
+                <a16:creationId xmlns:a16="http://schemas.microsoft.com/office/drawing/2014/main" id="{455B3871-2A40-EFBC-C78E-B31E66022C63}"/>
+              </a:ext>
+            </a:extLst>
+          </p:cNvPr>
+          <p:cNvSpPr/>
+          <p:nvPr/>
+        </p:nvSpPr>
+        <p:spPr>
+          <a:xfrm>
+            <a:off x="694944" y="1600200"/>
+            <a:ext cx="2651760" cy="475488"/>
+          </a:xfrm>
+          <a:prstGeom prst="rect">
+            <a:avLst/>
+          </a:prstGeom>
+        </p:spPr>
+        <p:style>
+          <a:lnRef idx="2">
+            <a:schemeClr val="accent1">
+              <a:shade val="15000"/>
+            </a:schemeClr>
+          </a:lnRef>
+          <a:fillRef idx="1">
+            <a:schemeClr val="accent1"/>
+          </a:fillRef>
+          <a:effectRef idx="0">
+            <a:schemeClr val="accent1"/>
+          </a:effectRef>
+          <a:fontRef idx="minor">
+            <a:schemeClr val="lt1"/>
+          </a:fontRef>
+        </p:style>
+        <p:txBody>
+          <a:bodyPr rtlCol="0" anchor="ctr"/>
+          <a:lstStyle/>
+          <a:p>
+            <a:pPr algn="ctr"/>
+            <a:r>
+              <a:rPr lang="en-IN" dirty="0"/>
+              <a:t>Embedded C</a:t>
+            </a:r>
+          </a:p>
+        </p:txBody>
+      </p:sp>
+      <p:sp>
+        <p:nvSpPr>
+          <p:cNvPr id="11" name="Rectangle 10">
+            <a:extLst>
+              <a:ext uri="{FF2B5EF4-FFF2-40B4-BE49-F238E27FC236}">
+                <a16:creationId xmlns:a16="http://schemas.microsoft.com/office/drawing/2014/main" id="{AC29F7EE-679E-FB9B-DD9A-F78A7A4119E9}"/>
+              </a:ext>
+            </a:extLst>
+          </p:cNvPr>
+          <p:cNvSpPr/>
+          <p:nvPr/>
+        </p:nvSpPr>
+        <p:spPr>
+          <a:xfrm>
+            <a:off x="694945" y="3557016"/>
+            <a:ext cx="2734056" cy="475488"/>
+          </a:xfrm>
+          <a:prstGeom prst="rect">
+            <a:avLst/>
+          </a:prstGeom>
+        </p:spPr>
+        <p:style>
+          <a:lnRef idx="2">
+            <a:schemeClr val="accent1">
+              <a:shade val="15000"/>
+            </a:schemeClr>
+          </a:lnRef>
+          <a:fillRef idx="1">
+            <a:schemeClr val="accent1"/>
+          </a:fillRef>
+          <a:effectRef idx="0">
+            <a:schemeClr val="accent1"/>
+          </a:effectRef>
+          <a:fontRef idx="minor">
+            <a:schemeClr val="lt1"/>
+          </a:fontRef>
+        </p:style>
+        <p:txBody>
+          <a:bodyPr rtlCol="0" anchor="ctr"/>
+          <a:lstStyle/>
+          <a:p>
+            <a:pPr algn="ctr"/>
+            <a:r>
+              <a:rPr lang="en-IN" dirty="0"/>
+              <a:t>Micro-controllers</a:t>
+            </a:r>
+          </a:p>
+        </p:txBody>
+      </p:sp>
+      <p:sp>
+        <p:nvSpPr>
+          <p:cNvPr id="12" name="TextBox 11">
+            <a:extLst>
+              <a:ext uri="{FF2B5EF4-FFF2-40B4-BE49-F238E27FC236}">
+                <a16:creationId xmlns:a16="http://schemas.microsoft.com/office/drawing/2014/main" id="{0A798037-FC08-69D5-A3C7-F77571B03901}"/>
+              </a:ext>
+            </a:extLst>
+          </p:cNvPr>
+          <p:cNvSpPr txBox="1"/>
+          <p:nvPr/>
+        </p:nvSpPr>
+        <p:spPr>
+          <a:xfrm>
+            <a:off x="694944" y="2344436"/>
+            <a:ext cx="1399032" cy="369332"/>
+          </a:xfrm>
+          <a:prstGeom prst="rect">
+            <a:avLst/>
+          </a:prstGeom>
+          <a:noFill/>
+        </p:spPr>
+        <p:txBody>
+          <a:bodyPr wrap="square" rtlCol="0">
+            <a:spAutoFit/>
+          </a:bodyPr>
+          <a:lstStyle/>
+          <a:p>
+            <a:r>
+              <a:rPr lang="en-IN" dirty="0"/>
+              <a:t>Basics Of C</a:t>
+            </a:r>
+          </a:p>
+        </p:txBody>
+      </p:sp>
+      <p:sp>
+        <p:nvSpPr>
+          <p:cNvPr id="13" name="TextBox 12">
+            <a:extLst>
+              <a:ext uri="{FF2B5EF4-FFF2-40B4-BE49-F238E27FC236}">
+                <a16:creationId xmlns:a16="http://schemas.microsoft.com/office/drawing/2014/main" id="{6807D257-9388-E00D-EA1A-363A8B80FEB2}"/>
+              </a:ext>
+            </a:extLst>
+          </p:cNvPr>
+          <p:cNvSpPr txBox="1"/>
+          <p:nvPr/>
+        </p:nvSpPr>
+        <p:spPr>
+          <a:xfrm>
+            <a:off x="1947672" y="2344436"/>
+            <a:ext cx="1399032" cy="369332"/>
+          </a:xfrm>
+          <a:prstGeom prst="rect">
+            <a:avLst/>
+          </a:prstGeom>
+          <a:noFill/>
+        </p:spPr>
+        <p:txBody>
+          <a:bodyPr wrap="square" rtlCol="0">
+            <a:spAutoFit/>
+          </a:bodyPr>
+          <a:lstStyle/>
+          <a:p>
+            <a:r>
+              <a:rPr lang="en-IN" dirty="0"/>
+              <a:t>Data Types</a:t>
+            </a:r>
+          </a:p>
+        </p:txBody>
+      </p:sp>
+      <p:sp>
+        <p:nvSpPr>
+          <p:cNvPr id="14" name="TextBox 13">
+            <a:extLst>
+              <a:ext uri="{FF2B5EF4-FFF2-40B4-BE49-F238E27FC236}">
+                <a16:creationId xmlns:a16="http://schemas.microsoft.com/office/drawing/2014/main" id="{53AA97A8-1156-C0B8-4011-7F9C8B3AA125}"/>
+              </a:ext>
+            </a:extLst>
+          </p:cNvPr>
+          <p:cNvSpPr txBox="1"/>
+          <p:nvPr/>
+        </p:nvSpPr>
+        <p:spPr>
+          <a:xfrm>
+            <a:off x="706374" y="4242816"/>
+            <a:ext cx="2960370" cy="646331"/>
+          </a:xfrm>
+          <a:prstGeom prst="rect">
+            <a:avLst/>
+          </a:prstGeom>
+          <a:noFill/>
+        </p:spPr>
+        <p:txBody>
+          <a:bodyPr wrap="square" rtlCol="0">
+            <a:spAutoFit/>
+          </a:bodyPr>
+          <a:lstStyle/>
+          <a:p>
+            <a:r>
+              <a:rPr lang="en-IN" dirty="0"/>
+              <a:t>Architecture of Micro-controllers</a:t>
+            </a:r>
+          </a:p>
+        </p:txBody>
+      </p:sp>
+    </p:spTree>
+    <p:extLst>
+      <p:ext uri="{BB962C8B-B14F-4D97-AF65-F5344CB8AC3E}">
+        <p14:creationId xmlns:p14="http://schemas.microsoft.com/office/powerpoint/2010/main" val="1596185485"/>
       </p:ext>
     </p:extLst>
   </p:cSld>
@@ -1173,4 +2913,299 @@
     </a:ext>
   </a:extLst>
 </a:theme>
+</file>
+
+<file path=ppt/theme/theme2.xml><?xml version="1.0" encoding="utf-8"?>
+<a:theme xmlns:a="http://schemas.openxmlformats.org/drawingml/2006/main" name="Office Theme">
+  <a:themeElements>
+    <a:clrScheme name="Office">
+      <a:dk1>
+        <a:sysClr val="windowText" lastClr="000000"/>
+      </a:dk1>
+      <a:lt1>
+        <a:sysClr val="window" lastClr="FFFFFF"/>
+      </a:lt1>
+      <a:dk2>
+        <a:srgbClr val="44546A"/>
+      </a:dk2>
+      <a:lt2>
+        <a:srgbClr val="E7E6E6"/>
+      </a:lt2>
+      <a:accent1>
+        <a:srgbClr val="4472C4"/>
+      </a:accent1>
+      <a:accent2>
+        <a:srgbClr val="ED7D31"/>
+      </a:accent2>
+      <a:accent3>
+        <a:srgbClr val="A5A5A5"/>
+      </a:accent3>
+      <a:accent4>
+        <a:srgbClr val="FFC000"/>
+      </a:accent4>
+      <a:accent5>
+        <a:srgbClr val="5B9BD5"/>
+      </a:accent5>
+      <a:accent6>
+        <a:srgbClr val="70AD47"/>
+      </a:accent6>
+      <a:hlink>
+        <a:srgbClr val="0563C1"/>
+      </a:hlink>
+      <a:folHlink>
+        <a:srgbClr val="954F72"/>
+      </a:folHlink>
+    </a:clrScheme>
+    <a:fontScheme name="Office">
+      <a:majorFont>
+        <a:latin typeface="Calibri Light" panose="020F0302020204030204"/>
+        <a:ea typeface=""/>
+        <a:cs typeface=""/>
+        <a:font script="Jpan" typeface="游ゴシック Light"/>
+        <a:font script="Hang" typeface="맑은 고딕"/>
+        <a:font script="Hans" typeface="等线 Light"/>
+        <a:font script="Hant" typeface="新細明體"/>
+        <a:font script="Arab" typeface="Times New Roman"/>
+        <a:font script="Hebr" typeface="Times New Roman"/>
+        <a:font script="Thai" typeface="Angsana New"/>
+        <a:font script="Ethi" typeface="Nyala"/>
+        <a:font script="Beng" typeface="Vrinda"/>
+        <a:font script="Gujr" typeface="Shruti"/>
+        <a:font script="Khmr" typeface="MoolBoran"/>
+        <a:font script="Knda" typeface="Tunga"/>
+        <a:font script="Guru" typeface="Raavi"/>
+        <a:font script="Cans" typeface="Euphemia"/>
+        <a:font script="Cher" typeface="Plantagenet Cherokee"/>
+        <a:font script="Yiii" typeface="Microsoft Yi Baiti"/>
+        <a:font script="Tibt" typeface="Microsoft Himalaya"/>
+        <a:font script="Thaa" typeface="MV Boli"/>
+        <a:font script="Deva" typeface="Mangal"/>
+        <a:font script="Telu" typeface="Gautami"/>
+        <a:font script="Taml" typeface="Latha"/>
+        <a:font script="Syrc" typeface="Estrangelo Edessa"/>
+        <a:font script="Orya" typeface="Kalinga"/>
+        <a:font script="Mlym" typeface="Kartika"/>
+        <a:font script="Laoo" typeface="DokChampa"/>
+        <a:font script="Sinh" typeface="Iskoola Pota"/>
+        <a:font script="Mong" typeface="Mongolian Baiti"/>
+        <a:font script="Viet" typeface="Times New Roman"/>
+        <a:font script="Uigh" typeface="Microsoft Uighur"/>
+        <a:font script="Geor" typeface="Sylfaen"/>
+        <a:font script="Armn" typeface="Arial"/>
+        <a:font script="Bugi" typeface="Leelawadee UI"/>
+        <a:font script="Bopo" typeface="Microsoft JhengHei"/>
+        <a:font script="Java" typeface="Javanese Text"/>
+        <a:font script="Lisu" typeface="Segoe UI"/>
+        <a:font script="Mymr" typeface="Myanmar Text"/>
+        <a:font script="Nkoo" typeface="Ebrima"/>
+        <a:font script="Olck" typeface="Nirmala UI"/>
+        <a:font script="Osma" typeface="Ebrima"/>
+        <a:font script="Phag" typeface="Phagspa"/>
+        <a:font script="Syrn" typeface="Estrangelo Edessa"/>
+        <a:font script="Syrj" typeface="Estrangelo Edessa"/>
+        <a:font script="Syre" typeface="Estrangelo Edessa"/>
+        <a:font script="Sora" typeface="Nirmala UI"/>
+        <a:font script="Tale" typeface="Microsoft Tai Le"/>
+        <a:font script="Talu" typeface="Microsoft New Tai Lue"/>
+        <a:font script="Tfng" typeface="Ebrima"/>
+      </a:majorFont>
+      <a:minorFont>
+        <a:latin typeface="Calibri" panose="020F0502020204030204"/>
+        <a:ea typeface=""/>
+        <a:cs typeface=""/>
+        <a:font script="Jpan" typeface="游ゴシック"/>
+        <a:font script="Hang" typeface="맑은 고딕"/>
+        <a:font script="Hans" typeface="等线"/>
+        <a:font script="Hant" typeface="新細明體"/>
+        <a:font script="Arab" typeface="Arial"/>
+        <a:font script="Hebr" typeface="Arial"/>
+        <a:font script="Thai" typeface="Cordia New"/>
+        <a:font script="Ethi" typeface="Nyala"/>
+        <a:font script="Beng" typeface="Vrinda"/>
+        <a:font script="Gujr" typeface="Shruti"/>
+        <a:font script="Khmr" typeface="DaunPenh"/>
+        <a:font script="Knda" typeface="Tunga"/>
+        <a:font script="Guru" typeface="Raavi"/>
+        <a:font script="Cans" typeface="Euphemia"/>
+        <a:font script="Cher" typeface="Plantagenet Cherokee"/>
+        <a:font script="Yiii" typeface="Microsoft Yi Baiti"/>
+        <a:font script="Tibt" typeface="Microsoft Himalaya"/>
+        <a:font script="Thaa" typeface="MV Boli"/>
+        <a:font script="Deva" typeface="Mangal"/>
+        <a:font script="Telu" typeface="Gautami"/>
+        <a:font script="Taml" typeface="Latha"/>
+        <a:font script="Syrc" typeface="Estrangelo Edessa"/>
+        <a:font script="Orya" typeface="Kalinga"/>
+        <a:font script="Mlym" typeface="Kartika"/>
+        <a:font script="Laoo" typeface="DokChampa"/>
+        <a:font script="Sinh" typeface="Iskoola Pota"/>
+        <a:font script="Mong" typeface="Mongolian Baiti"/>
+        <a:font script="Viet" typeface="Arial"/>
+        <a:font script="Uigh" typeface="Microsoft Uighur"/>
+        <a:font script="Geor" typeface="Sylfaen"/>
+        <a:font script="Armn" typeface="Arial"/>
+        <a:font script="Bugi" typeface="Leelawadee UI"/>
+        <a:font script="Bopo" typeface="Microsoft JhengHei"/>
+        <a:font script="Java" typeface="Javanese Text"/>
+        <a:font script="Lisu" typeface="Segoe UI"/>
+        <a:font script="Mymr" typeface="Myanmar Text"/>
+        <a:font script="Nkoo" typeface="Ebrima"/>
+        <a:font script="Olck" typeface="Nirmala UI"/>
+        <a:font script="Osma" typeface="Ebrima"/>
+        <a:font script="Phag" typeface="Phagspa"/>
+        <a:font script="Syrn" typeface="Estrangelo Edessa"/>
+        <a:font script="Syrj" typeface="Estrangelo Edessa"/>
+        <a:font script="Syre" typeface="Estrangelo Edessa"/>
+        <a:font script="Sora" typeface="Nirmala UI"/>
+        <a:font script="Tale" typeface="Microsoft Tai Le"/>
+        <a:font script="Talu" typeface="Microsoft New Tai Lue"/>
+        <a:font script="Tfng" typeface="Ebrima"/>
+      </a:minorFont>
+    </a:fontScheme>
+    <a:fmtScheme name="Office">
+      <a:fillStyleLst>
+        <a:solidFill>
+          <a:schemeClr val="phClr"/>
+        </a:solidFill>
+        <a:gradFill rotWithShape="1">
+          <a:gsLst>
+            <a:gs pos="0">
+              <a:schemeClr val="phClr">
+                <a:lumMod val="110000"/>
+                <a:satMod val="105000"/>
+                <a:tint val="67000"/>
+              </a:schemeClr>
+            </a:gs>
+            <a:gs pos="50000">
+              <a:schemeClr val="phClr">
+                <a:lumMod val="105000"/>
+                <a:satMod val="103000"/>
+                <a:tint val="73000"/>
+              </a:schemeClr>
+            </a:gs>
+            <a:gs pos="100000">
+              <a:schemeClr val="phClr">
+                <a:lumMod val="105000"/>
+                <a:satMod val="109000"/>
+                <a:tint val="81000"/>
+              </a:schemeClr>
+            </a:gs>
+          </a:gsLst>
+          <a:lin ang="5400000" scaled="0"/>
+        </a:gradFill>
+        <a:gradFill rotWithShape="1">
+          <a:gsLst>
+            <a:gs pos="0">
+              <a:schemeClr val="phClr">
+                <a:satMod val="103000"/>
+                <a:lumMod val="102000"/>
+                <a:tint val="94000"/>
+              </a:schemeClr>
+            </a:gs>
+            <a:gs pos="50000">
+              <a:schemeClr val="phClr">
+                <a:satMod val="110000"/>
+                <a:lumMod val="100000"/>
+                <a:shade val="100000"/>
+              </a:schemeClr>
+            </a:gs>
+            <a:gs pos="100000">
+              <a:schemeClr val="phClr">
+                <a:lumMod val="99000"/>
+                <a:satMod val="120000"/>
+                <a:shade val="78000"/>
+              </a:schemeClr>
+            </a:gs>
+          </a:gsLst>
+          <a:lin ang="5400000" scaled="0"/>
+        </a:gradFill>
+      </a:fillStyleLst>
+      <a:lnStyleLst>
+        <a:ln w="6350" cap="flat" cmpd="sng" algn="ctr">
+          <a:solidFill>
+            <a:schemeClr val="phClr"/>
+          </a:solidFill>
+          <a:prstDash val="solid"/>
+          <a:miter lim="800000"/>
+        </a:ln>
+        <a:ln w="12700" cap="flat" cmpd="sng" algn="ctr">
+          <a:solidFill>
+            <a:schemeClr val="phClr"/>
+          </a:solidFill>
+          <a:prstDash val="solid"/>
+          <a:miter lim="800000"/>
+        </a:ln>
+        <a:ln w="19050" cap="flat" cmpd="sng" algn="ctr">
+          <a:solidFill>
+            <a:schemeClr val="phClr"/>
+          </a:solidFill>
+          <a:prstDash val="solid"/>
+          <a:miter lim="800000"/>
+        </a:ln>
+      </a:lnStyleLst>
+      <a:effectStyleLst>
+        <a:effectStyle>
+          <a:effectLst/>
+        </a:effectStyle>
+        <a:effectStyle>
+          <a:effectLst/>
+        </a:effectStyle>
+        <a:effectStyle>
+          <a:effectLst>
+            <a:outerShdw blurRad="57150" dist="19050" dir="5400000" algn="ctr" rotWithShape="0">
+              <a:srgbClr val="000000">
+                <a:alpha val="63000"/>
+              </a:srgbClr>
+            </a:outerShdw>
+          </a:effectLst>
+        </a:effectStyle>
+      </a:effectStyleLst>
+      <a:bgFillStyleLst>
+        <a:solidFill>
+          <a:schemeClr val="phClr"/>
+        </a:solidFill>
+        <a:solidFill>
+          <a:schemeClr val="phClr">
+            <a:tint val="95000"/>
+            <a:satMod val="170000"/>
+          </a:schemeClr>
+        </a:solidFill>
+        <a:gradFill rotWithShape="1">
+          <a:gsLst>
+            <a:gs pos="0">
+              <a:schemeClr val="phClr">
+                <a:tint val="93000"/>
+                <a:satMod val="150000"/>
+                <a:shade val="98000"/>
+                <a:lumMod val="102000"/>
+              </a:schemeClr>
+            </a:gs>
+            <a:gs pos="50000">
+              <a:schemeClr val="phClr">
+                <a:tint val="98000"/>
+                <a:satMod val="130000"/>
+                <a:shade val="90000"/>
+                <a:lumMod val="103000"/>
+              </a:schemeClr>
+            </a:gs>
+            <a:gs pos="100000">
+              <a:schemeClr val="phClr">
+                <a:shade val="63000"/>
+                <a:satMod val="120000"/>
+              </a:schemeClr>
+            </a:gs>
+          </a:gsLst>
+          <a:lin ang="5400000" scaled="0"/>
+        </a:gradFill>
+      </a:bgFillStyleLst>
+    </a:fmtScheme>
+  </a:themeElements>
+  <a:objectDefaults/>
+  <a:extraClrSchemeLst/>
+  <a:extLst>
+    <a:ext uri="{05A4C25C-085E-4340-85A3-A5531E510DB2}">
+      <thm15:themeFamily xmlns:thm15="http://schemas.microsoft.com/office/thememl/2012/main" name="Office Theme" id="{62F939B6-93AF-4DB8-9C6B-D6C7DFDC589F}" vid="{4A3C46E8-61CC-4603-A589-7422A47A8E4A}"/>
+    </a:ext>
+  </a:extLst>
+</a:theme>
 </file>